--- a/preprint figure/model_framework.pptx
+++ b/preprint figure/model_framework.pptx
@@ -259,7 +259,7 @@
           <a:p>
             <a:fld id="{F3DF16A9-7CCA-234B-AA34-075A25D70934}" type="datetimeFigureOut">
               <a:rPr lang="en-US" smtClean="0"/>
-              <a:t>11/4/24</a:t>
+              <a:t>6/2/25</a:t>
             </a:fld>
             <a:endParaRPr lang="en-US"/>
           </a:p>
@@ -457,7 +457,7 @@
           <a:p>
             <a:fld id="{F3DF16A9-7CCA-234B-AA34-075A25D70934}" type="datetimeFigureOut">
               <a:rPr lang="en-US" smtClean="0"/>
-              <a:t>11/4/24</a:t>
+              <a:t>6/2/25</a:t>
             </a:fld>
             <a:endParaRPr lang="en-US"/>
           </a:p>
@@ -665,7 +665,7 @@
           <a:p>
             <a:fld id="{F3DF16A9-7CCA-234B-AA34-075A25D70934}" type="datetimeFigureOut">
               <a:rPr lang="en-US" smtClean="0"/>
-              <a:t>11/4/24</a:t>
+              <a:t>6/2/25</a:t>
             </a:fld>
             <a:endParaRPr lang="en-US"/>
           </a:p>
@@ -863,7 +863,7 @@
           <a:p>
             <a:fld id="{F3DF16A9-7CCA-234B-AA34-075A25D70934}" type="datetimeFigureOut">
               <a:rPr lang="en-US" smtClean="0"/>
-              <a:t>11/4/24</a:t>
+              <a:t>6/2/25</a:t>
             </a:fld>
             <a:endParaRPr lang="en-US"/>
           </a:p>
@@ -1138,7 +1138,7 @@
           <a:p>
             <a:fld id="{F3DF16A9-7CCA-234B-AA34-075A25D70934}" type="datetimeFigureOut">
               <a:rPr lang="en-US" smtClean="0"/>
-              <a:t>11/4/24</a:t>
+              <a:t>6/2/25</a:t>
             </a:fld>
             <a:endParaRPr lang="en-US"/>
           </a:p>
@@ -1403,7 +1403,7 @@
           <a:p>
             <a:fld id="{F3DF16A9-7CCA-234B-AA34-075A25D70934}" type="datetimeFigureOut">
               <a:rPr lang="en-US" smtClean="0"/>
-              <a:t>11/4/24</a:t>
+              <a:t>6/2/25</a:t>
             </a:fld>
             <a:endParaRPr lang="en-US"/>
           </a:p>
@@ -1815,7 +1815,7 @@
           <a:p>
             <a:fld id="{F3DF16A9-7CCA-234B-AA34-075A25D70934}" type="datetimeFigureOut">
               <a:rPr lang="en-US" smtClean="0"/>
-              <a:t>11/4/24</a:t>
+              <a:t>6/2/25</a:t>
             </a:fld>
             <a:endParaRPr lang="en-US"/>
           </a:p>
@@ -1956,7 +1956,7 @@
           <a:p>
             <a:fld id="{F3DF16A9-7CCA-234B-AA34-075A25D70934}" type="datetimeFigureOut">
               <a:rPr lang="en-US" smtClean="0"/>
-              <a:t>11/4/24</a:t>
+              <a:t>6/2/25</a:t>
             </a:fld>
             <a:endParaRPr lang="en-US"/>
           </a:p>
@@ -2069,7 +2069,7 @@
           <a:p>
             <a:fld id="{F3DF16A9-7CCA-234B-AA34-075A25D70934}" type="datetimeFigureOut">
               <a:rPr lang="en-US" smtClean="0"/>
-              <a:t>11/4/24</a:t>
+              <a:t>6/2/25</a:t>
             </a:fld>
             <a:endParaRPr lang="en-US"/>
           </a:p>
@@ -2380,7 +2380,7 @@
           <a:p>
             <a:fld id="{F3DF16A9-7CCA-234B-AA34-075A25D70934}" type="datetimeFigureOut">
               <a:rPr lang="en-US" smtClean="0"/>
-              <a:t>11/4/24</a:t>
+              <a:t>6/2/25</a:t>
             </a:fld>
             <a:endParaRPr lang="en-US"/>
           </a:p>
@@ -2668,7 +2668,7 @@
           <a:p>
             <a:fld id="{F3DF16A9-7CCA-234B-AA34-075A25D70934}" type="datetimeFigureOut">
               <a:rPr lang="en-US" smtClean="0"/>
-              <a:t>11/4/24</a:t>
+              <a:t>6/2/25</a:t>
             </a:fld>
             <a:endParaRPr lang="en-US"/>
           </a:p>
@@ -2909,7 +2909,7 @@
           <a:p>
             <a:fld id="{F3DF16A9-7CCA-234B-AA34-075A25D70934}" type="datetimeFigureOut">
               <a:rPr lang="en-US" smtClean="0"/>
-              <a:t>11/4/24</a:t>
+              <a:t>6/2/25</a:t>
             </a:fld>
             <a:endParaRPr lang="en-US"/>
           </a:p>
@@ -3326,8 +3326,8 @@
           <a:chExt cx="0" cy="0"/>
         </a:xfrm>
       </p:grpSpPr>
-      <mc:AlternateContent xmlns:mc="http://schemas.openxmlformats.org/markup-compatibility/2006" xmlns:a14="http://schemas.microsoft.com/office/drawing/2010/main">
-        <mc:Choice Requires="a14">
+      <mc:AlternateContent xmlns:mc="http://schemas.openxmlformats.org/markup-compatibility/2006">
+        <mc:Choice xmlns:a14="http://schemas.microsoft.com/office/drawing/2010/main" Requires="a14">
           <p:sp>
             <p:nvSpPr>
               <p:cNvPr id="5" name="TextBox 4">
@@ -3343,7 +3343,7 @@
             <p:spPr>
               <a:xfrm>
                 <a:off x="4260539" y="2153765"/>
-                <a:ext cx="2170209" cy="276999"/>
+                <a:ext cx="2320892" cy="276999"/>
               </a:xfrm>
               <a:prstGeom prst="rect">
                 <a:avLst/>
@@ -3373,7 +3373,13 @@
                         <a:rPr lang="en-US" b="0" i="1" smtClean="0">
                           <a:latin typeface="Cambria Math" panose="02040503050406030204" pitchFamily="18" charset="0"/>
                         </a:rPr>
-                        <m:t>=1, 2, 3,…, </m:t>
+                        <m:t>∈{1, 2</m:t>
+                      </m:r>
+                      <m:r>
+                        <a:rPr lang="en-US" b="0" i="1" smtClean="0">
+                          <a:latin typeface="Cambria Math" panose="02040503050406030204" pitchFamily="18" charset="0"/>
+                        </a:rPr>
+                        <m:t>, 3,…, </m:t>
                       </m:r>
                       <m:r>
                         <a:rPr lang="en-US" b="0" i="1" smtClean="0">
@@ -3385,7 +3391,7 @@
                         <a:rPr lang="en-US" b="0" i="1" smtClean="0">
                           <a:latin typeface="Cambria Math" panose="02040503050406030204" pitchFamily="18" charset="0"/>
                         </a:rPr>
-                        <m:t>−1, </m:t>
+                        <m:t>, </m:t>
                       </m:r>
                       <m:r>
                         <a:rPr lang="en-US" b="0" i="1" smtClean="0">
@@ -3396,6 +3402,24 @@
                         </a:rPr>
                         <m:t>𝑇</m:t>
                       </m:r>
+                      <m:r>
+                        <a:rPr lang="en-US" b="0" i="1" smtClean="0">
+                          <a:solidFill>
+                            <a:srgbClr val="00B050"/>
+                          </a:solidFill>
+                          <a:latin typeface="Cambria Math" panose="02040503050406030204" pitchFamily="18" charset="0"/>
+                        </a:rPr>
+                        <m:t>+1</m:t>
+                      </m:r>
+                      <m:r>
+                        <a:rPr lang="en-US" b="0" i="1" smtClean="0">
+                          <a:solidFill>
+                            <a:schemeClr val="tx1"/>
+                          </a:solidFill>
+                          <a:latin typeface="Cambria Math" panose="02040503050406030204" pitchFamily="18" charset="0"/>
+                        </a:rPr>
+                        <m:t>}</m:t>
+                      </m:r>
                     </m:oMath>
                   </m:oMathPara>
                 </a14:m>
@@ -3404,7 +3428,7 @@
             </p:txBody>
           </p:sp>
         </mc:Choice>
-        <mc:Fallback xmlns="">
+        <mc:Fallback>
           <p:sp>
             <p:nvSpPr>
               <p:cNvPr id="5" name="TextBox 4">
@@ -3422,7 +3446,7 @@
             <p:spPr>
               <a:xfrm>
                 <a:off x="4260539" y="2153765"/>
-                <a:ext cx="2170209" cy="276999"/>
+                <a:ext cx="2320892" cy="276999"/>
               </a:xfrm>
               <a:prstGeom prst="rect">
                 <a:avLst/>
@@ -3430,7 +3454,7 @@
               <a:blipFill>
                 <a:blip r:embed="rId2"/>
                 <a:stretch>
-                  <a:fillRect l="-1163" r="-1744" b="-4545"/>
+                  <a:fillRect l="-1087" t="-4545" r="-3261" b="-36364"/>
                 </a:stretch>
               </a:blipFill>
             </p:spPr>
@@ -3494,8 +3518,8 @@
           </a:p>
         </p:txBody>
       </p:sp>
-      <mc:AlternateContent xmlns:mc="http://schemas.openxmlformats.org/markup-compatibility/2006" xmlns:a14="http://schemas.microsoft.com/office/drawing/2010/main">
-        <mc:Choice Requires="a14">
+      <mc:AlternateContent xmlns:mc="http://schemas.openxmlformats.org/markup-compatibility/2006">
+        <mc:Choice xmlns:a14="http://schemas.microsoft.com/office/drawing/2010/main" Requires="a14">
           <p:sp>
             <p:nvSpPr>
               <p:cNvPr id="7" name="TextBox 6">
@@ -3511,7 +3535,7 @@
             <p:spPr>
               <a:xfrm>
                 <a:off x="4655840" y="4208392"/>
-                <a:ext cx="252377" cy="276999"/>
+                <a:ext cx="240835" cy="276999"/>
               </a:xfrm>
               <a:prstGeom prst="rect">
                 <a:avLst/>
@@ -3544,7 +3568,7 @@
                             <a:rPr lang="en-US" b="0" i="1" smtClean="0">
                               <a:latin typeface="Cambria Math" panose="02040503050406030204" pitchFamily="18" charset="0"/>
                             </a:rPr>
-                            <m:t>𝑆</m:t>
+                            <m:t>𝑠</m:t>
                           </m:r>
                         </m:e>
                         <m:sub>
@@ -3564,7 +3588,7 @@
             </p:txBody>
           </p:sp>
         </mc:Choice>
-        <mc:Fallback xmlns="">
+        <mc:Fallback>
           <p:sp>
             <p:nvSpPr>
               <p:cNvPr id="7" name="TextBox 6">
@@ -3582,7 +3606,7 @@
             <p:spPr>
               <a:xfrm>
                 <a:off x="4655840" y="4208392"/>
-                <a:ext cx="252377" cy="276999"/>
+                <a:ext cx="240835" cy="276999"/>
               </a:xfrm>
               <a:prstGeom prst="rect">
                 <a:avLst/>
@@ -3590,7 +3614,7 @@
               <a:blipFill>
                 <a:blip r:embed="rId3"/>
                 <a:stretch>
-                  <a:fillRect l="-20000" r="-5000" b="-13043"/>
+                  <a:fillRect l="-15000" b="-13043"/>
                 </a:stretch>
               </a:blipFill>
             </p:spPr>
@@ -3654,8 +3678,8 @@
           </a:p>
         </p:txBody>
       </p:sp>
-      <mc:AlternateContent xmlns:mc="http://schemas.openxmlformats.org/markup-compatibility/2006" xmlns:a14="http://schemas.microsoft.com/office/drawing/2010/main">
-        <mc:Choice Requires="a14">
+      <mc:AlternateContent xmlns:mc="http://schemas.openxmlformats.org/markup-compatibility/2006">
+        <mc:Choice xmlns:a14="http://schemas.microsoft.com/office/drawing/2010/main" Requires="a14">
           <p:sp>
             <p:nvSpPr>
               <p:cNvPr id="9" name="TextBox 8">
@@ -3671,7 +3695,7 @@
             <p:spPr>
               <a:xfrm>
                 <a:off x="7214879" y="4071907"/>
-                <a:ext cx="899221" cy="553998"/>
+                <a:ext cx="887679" cy="553998"/>
               </a:xfrm>
               <a:prstGeom prst="rect">
                 <a:avLst/>
@@ -3704,7 +3728,7 @@
                             <a:rPr lang="en-US" b="0" i="1" smtClean="0">
                               <a:latin typeface="Cambria Math" panose="02040503050406030204" pitchFamily="18" charset="0"/>
                             </a:rPr>
-                            <m:t>𝑆</m:t>
+                            <m:t>𝑠</m:t>
                           </m:r>
                         </m:e>
                         <m:sub>
@@ -3756,7 +3780,7 @@
                             <a:rPr lang="en-US" b="0" i="1" smtClean="0">
                               <a:latin typeface="Cambria Math" panose="02040503050406030204" pitchFamily="18" charset="0"/>
                             </a:rPr>
-                            <m:t>𝑆</m:t>
+                            <m:t>𝑠</m:t>
                           </m:r>
                         </m:e>
                         <m:sub>
@@ -3788,7 +3812,7 @@
             </p:txBody>
           </p:sp>
         </mc:Choice>
-        <mc:Fallback xmlns="">
+        <mc:Fallback>
           <p:sp>
             <p:nvSpPr>
               <p:cNvPr id="9" name="TextBox 8">
@@ -3806,7 +3830,7 @@
             <p:spPr>
               <a:xfrm>
                 <a:off x="7214879" y="4071907"/>
-                <a:ext cx="899221" cy="553998"/>
+                <a:ext cx="887679" cy="553998"/>
               </a:xfrm>
               <a:prstGeom prst="rect">
                 <a:avLst/>
@@ -3814,7 +3838,7 @@
               <a:blipFill>
                 <a:blip r:embed="rId4"/>
                 <a:stretch>
-                  <a:fillRect l="-1389" r="-1389" b="-6818"/>
+                  <a:fillRect l="-1408" r="-1408" b="-6818"/>
                 </a:stretch>
               </a:blipFill>
             </p:spPr>
@@ -3878,8 +3902,8 @@
           </a:p>
         </p:txBody>
       </p:sp>
-      <mc:AlternateContent xmlns:mc="http://schemas.openxmlformats.org/markup-compatibility/2006" xmlns:a14="http://schemas.microsoft.com/office/drawing/2010/main">
-        <mc:Choice Requires="a14">
+      <mc:AlternateContent xmlns:mc="http://schemas.openxmlformats.org/markup-compatibility/2006">
+        <mc:Choice xmlns:a14="http://schemas.microsoft.com/office/drawing/2010/main" Requires="a14">
           <p:sp>
             <p:nvSpPr>
               <p:cNvPr id="11" name="TextBox 10">
@@ -3895,7 +3919,7 @@
             <p:spPr>
               <a:xfrm>
                 <a:off x="7183200" y="2930876"/>
-                <a:ext cx="972830" cy="276999"/>
+                <a:ext cx="949747" cy="276999"/>
               </a:xfrm>
               <a:prstGeom prst="rect">
                 <a:avLst/>
@@ -3928,7 +3952,7 @@
                             <a:rPr lang="en-US" b="0" i="1" smtClean="0">
                               <a:latin typeface="Cambria Math" panose="02040503050406030204" pitchFamily="18" charset="0"/>
                             </a:rPr>
-                            <m:t>𝑆</m:t>
+                            <m:t>𝑠</m:t>
                           </m:r>
                         </m:e>
                         <m:sub>
@@ -3965,7 +3989,7 @@
                             <a:rPr lang="en-US" b="0" i="1" smtClean="0">
                               <a:latin typeface="Cambria Math" panose="02040503050406030204" pitchFamily="18" charset="0"/>
                             </a:rPr>
-                            <m:t>𝑆</m:t>
+                            <m:t>𝑠</m:t>
                           </m:r>
                         </m:e>
                         <m:sub>
@@ -3985,7 +4009,7 @@
             </p:txBody>
           </p:sp>
         </mc:Choice>
-        <mc:Fallback xmlns="">
+        <mc:Fallback>
           <p:sp>
             <p:nvSpPr>
               <p:cNvPr id="11" name="TextBox 10">
@@ -4003,7 +4027,7 @@
             <p:spPr>
               <a:xfrm>
                 <a:off x="7183200" y="2930876"/>
-                <a:ext cx="972830" cy="276999"/>
+                <a:ext cx="949747" cy="276999"/>
               </a:xfrm>
               <a:prstGeom prst="rect">
                 <a:avLst/>
@@ -4011,7 +4035,7 @@
               <a:blipFill>
                 <a:blip r:embed="rId5"/>
                 <a:stretch>
-                  <a:fillRect l="-5195" b="-8696"/>
+                  <a:fillRect l="-2667" r="-1333" b="-8696"/>
                 </a:stretch>
               </a:blipFill>
             </p:spPr>
@@ -4239,8 +4263,8 @@
             </p:nvSpPr>
             <p:spPr>
               <a:xfrm rot="19952812">
-                <a:off x="5381041" y="3771076"/>
-                <a:ext cx="1518364" cy="276999"/>
+                <a:off x="5423743" y="3771076"/>
+                <a:ext cx="1432956" cy="276999"/>
               </a:xfrm>
               <a:prstGeom prst="rect">
                 <a:avLst/>
@@ -4260,31 +4284,24 @@
                       <m:jc m:val="centerGroup"/>
                     </m:oMathParaPr>
                     <m:oMath xmlns:m="http://schemas.openxmlformats.org/officeDocument/2006/math">
-                      <m:sSub>
-                        <m:sSubPr>
-                          <m:ctrlPr>
-                            <a:rPr lang="en-US" i="1" smtClean="0">
-                              <a:latin typeface="Cambria Math" panose="02040503050406030204" pitchFamily="18" charset="0"/>
-                            </a:rPr>
-                          </m:ctrlPr>
-                        </m:sSubPr>
-                        <m:e>
-                          <m:r>
-                            <a:rPr lang="en-US" b="0" i="1" smtClean="0">
-                              <a:latin typeface="Cambria Math" panose="02040503050406030204" pitchFamily="18" charset="0"/>
-                            </a:rPr>
-                            <m:t>𝑅</m:t>
-                          </m:r>
-                        </m:e>
-                        <m:sub>
-                          <m:r>
-                            <a:rPr lang="en-US" b="0" i="1" smtClean="0">
-                              <a:latin typeface="Cambria Math" panose="02040503050406030204" pitchFamily="18" charset="0"/>
-                            </a:rPr>
-                            <m:t>𝑎𝑙𝑡</m:t>
-                          </m:r>
-                        </m:sub>
-                      </m:sSub>
+                      <m:r>
+                        <m:rPr>
+                          <m:sty m:val="p"/>
+                        </m:rPr>
+                        <a:rPr lang="en-US" i="1" smtClean="0">
+                          <a:latin typeface="Cambria Math" panose="02040503050406030204" pitchFamily="18" charset="0"/>
+                        </a:rPr>
+                        <m:t>R</m:t>
+                      </m:r>
+                      <m:r>
+                        <m:rPr>
+                          <m:sty m:val="p"/>
+                        </m:rPr>
+                        <a:rPr lang="en-US" b="0" i="0" baseline="-25000" smtClean="0">
+                          <a:latin typeface="Cambria Math" panose="02040503050406030204" pitchFamily="18" charset="0"/>
+                        </a:rPr>
+                        <m:t>alt</m:t>
+                      </m:r>
                       <m:r>
                         <a:rPr lang="en-US" b="0" i="1" smtClean="0">
                           <a:solidFill>
@@ -4389,8 +4406,8 @@
             </p:nvSpPr>
             <p:spPr>
               <a:xfrm rot="19952812">
-                <a:off x="5381041" y="3771076"/>
-                <a:ext cx="1518364" cy="276999"/>
+                <a:off x="5423743" y="3771076"/>
+                <a:ext cx="1432956" cy="276999"/>
               </a:xfrm>
               <a:prstGeom prst="rect">
                 <a:avLst/>
@@ -4398,7 +4415,7 @@
               <a:blipFill>
                 <a:blip r:embed="rId7"/>
                 <a:stretch>
-                  <a:fillRect l="-2586" t="-4000" r="-7759" b="-4000"/>
+                  <a:fillRect l="-1802" t="-4167" r="-7207" b="-4167"/>
                 </a:stretch>
               </a:blipFill>
             </p:spPr>
@@ -4519,8 +4536,8 @@
           </p:sp>
         </mc:Fallback>
       </mc:AlternateContent>
-      <mc:AlternateContent xmlns:mc="http://schemas.openxmlformats.org/markup-compatibility/2006" xmlns:a14="http://schemas.microsoft.com/office/drawing/2010/main">
-        <mc:Choice Requires="a14">
+      <mc:AlternateContent xmlns:mc="http://schemas.openxmlformats.org/markup-compatibility/2006">
+        <mc:Choice xmlns:a14="http://schemas.microsoft.com/office/drawing/2010/main" Requires="a14">
           <p:sp>
             <p:nvSpPr>
               <p:cNvPr id="24" name="TextBox 23">
@@ -4536,7 +4553,7 @@
             <p:spPr>
               <a:xfrm>
                 <a:off x="5420351" y="4410943"/>
-                <a:ext cx="1673150" cy="276999"/>
+                <a:ext cx="1769331" cy="276999"/>
               </a:xfrm>
               <a:prstGeom prst="rect">
                 <a:avLst/>
@@ -4664,7 +4681,7 @@
             </p:txBody>
           </p:sp>
         </mc:Choice>
-        <mc:Fallback xmlns="">
+        <mc:Fallback>
           <p:sp>
             <p:nvSpPr>
               <p:cNvPr id="24" name="TextBox 23">
@@ -4682,7 +4699,7 @@
             <p:spPr>
               <a:xfrm>
                 <a:off x="5420351" y="4410943"/>
-                <a:ext cx="1673150" cy="276999"/>
+                <a:ext cx="1769331" cy="276999"/>
               </a:xfrm>
               <a:prstGeom prst="rect">
                 <a:avLst/>
@@ -4690,7 +4707,7 @@
               <a:blipFill>
                 <a:blip r:embed="rId9"/>
                 <a:stretch>
-                  <a:fillRect r="-3759" b="-34783"/>
+                  <a:fillRect r="-4286" b="-34783"/>
                 </a:stretch>
               </a:blipFill>
             </p:spPr>
